--- a/docs/Travel Agency Fusion.pptx
+++ b/docs/Travel Agency Fusion.pptx
@@ -7,9 +7,12 @@
   <p:sldIdLst>
     <p:sldId id="256" r:id="rId3"/>
     <p:sldId id="257" r:id="rId4"/>
-    <p:sldId id="258" r:id="rId5"/>
-    <p:sldId id="259" r:id="rId6"/>
-    <p:sldId id="260" r:id="rId7"/>
+    <p:sldId id="262" r:id="rId5"/>
+    <p:sldId id="258" r:id="rId6"/>
+    <p:sldId id="259" r:id="rId7"/>
+    <p:sldId id="263" r:id="rId8"/>
+    <p:sldId id="260" r:id="rId9"/>
+    <p:sldId id="261" r:id="rId10"/>
   </p:sldIdLst>
   <p:sldSz cx="12192000" cy="6858000"/>
   <p:notesSz cx="6858000" cy="9144000"/>
@@ -119,9 +122,12 @@
         <p14:section name="Untitled Section" id="{9d3764e0-355b-4d43-bcef-f7130c2af656}">
           <p14:sldIdLst>
             <p14:sldId id="257"/>
+            <p14:sldId id="259"/>
+            <p14:sldId id="263"/>
+            <p14:sldId id="260"/>
+            <p14:sldId id="261"/>
+            <p14:sldId id="262"/>
             <p14:sldId id="258"/>
-            <p14:sldId id="259"/>
-            <p14:sldId id="260"/>
           </p14:sldIdLst>
         </p14:section>
       </p14:sectionLst>
@@ -3083,6 +3089,72 @@
       <p:grpSpPr/>
       <p:sp>
         <p:nvSpPr>
+          <p:cNvPr id="6" name="Title 5"/>
+          <p:cNvSpPr>
+            <a:spLocks noGrp="1"/>
+          </p:cNvSpPr>
+          <p:nvPr>
+            <p:ph type="title"/>
+          </p:nvPr>
+        </p:nvSpPr>
+        <p:spPr/>
+        <p:txBody>
+          <a:bodyPr/>
+          <a:p>
+            <a:r>
+              <a:rPr lang="en-US"/>
+              <a:t>Database model</a:t>
+            </a:r>
+            <a:endParaRPr lang="en-US"/>
+          </a:p>
+        </p:txBody>
+      </p:sp>
+      <p:pic>
+        <p:nvPicPr>
+          <p:cNvPr id="5" name="Content Placeholder 4" descr="prisma-erd-_1_"/>
+          <p:cNvPicPr>
+            <a:picLocks noChangeAspect="1"/>
+          </p:cNvPicPr>
+          <p:nvPr>
+            <p:ph sz="half" idx="1"/>
+          </p:nvPr>
+        </p:nvPicPr>
+        <p:blipFill>
+          <a:blip r:embed="rId1"/>
+          <a:stretch>
+            <a:fillRect/>
+          </a:stretch>
+        </p:blipFill>
+        <p:spPr>
+          <a:xfrm>
+            <a:off x="3168650" y="513715"/>
+            <a:ext cx="8803640" cy="6285865"/>
+          </a:xfrm>
+          <a:prstGeom prst="rect">
+            <a:avLst/>
+          </a:prstGeom>
+        </p:spPr>
+      </p:pic>
+    </p:spTree>
+  </p:cSld>
+  <p:clrMapOvr>
+    <a:masterClrMapping/>
+  </p:clrMapOvr>
+</p:sld>
+</file>
+
+<file path=ppt/slides/slide4.xml><?xml version="1.0" encoding="utf-8"?>
+<p:sld xmlns:a="http://schemas.openxmlformats.org/drawingml/2006/main" xmlns:r="http://schemas.openxmlformats.org/officeDocument/2006/relationships" xmlns:p="http://schemas.openxmlformats.org/presentationml/2006/main">
+  <p:cSld>
+    <p:spTree>
+      <p:nvGrpSpPr>
+        <p:cNvPr id="1" name=""/>
+        <p:cNvGrpSpPr/>
+        <p:nvPr/>
+      </p:nvGrpSpPr>
+      <p:grpSpPr/>
+      <p:sp>
+        <p:nvSpPr>
           <p:cNvPr id="2" name="Title 1"/>
           <p:cNvSpPr>
             <a:spLocks noGrp="1"/>
@@ -3137,7 +3209,7 @@
 </p:sld>
 </file>
 
-<file path=ppt/slides/slide4.xml><?xml version="1.0" encoding="utf-8"?>
+<file path=ppt/slides/slide5.xml><?xml version="1.0" encoding="utf-8"?>
 <p:sld xmlns:a="http://schemas.openxmlformats.org/drawingml/2006/main" xmlns:r="http://schemas.openxmlformats.org/officeDocument/2006/relationships" xmlns:p="http://schemas.openxmlformats.org/presentationml/2006/main">
   <p:cSld>
     <p:spTree>
@@ -3206,7 +3278,99 @@
 </p:sld>
 </file>
 
-<file path=ppt/slides/slide5.xml><?xml version="1.0" encoding="utf-8"?>
+<file path=ppt/slides/slide6.xml><?xml version="1.0" encoding="utf-8"?>
+<p:sld xmlns:a="http://schemas.openxmlformats.org/drawingml/2006/main" xmlns:r="http://schemas.openxmlformats.org/officeDocument/2006/relationships" xmlns:p="http://schemas.openxmlformats.org/presentationml/2006/main">
+  <p:cSld>
+    <p:spTree>
+      <p:nvGrpSpPr>
+        <p:cNvPr id="1" name=""/>
+        <p:cNvGrpSpPr/>
+        <p:nvPr/>
+      </p:nvGrpSpPr>
+      <p:grpSpPr/>
+      <p:sp>
+        <p:nvSpPr>
+          <p:cNvPr id="7" name="Title 6"/>
+          <p:cNvSpPr>
+            <a:spLocks noGrp="1"/>
+          </p:cNvSpPr>
+          <p:nvPr>
+            <p:ph type="title"/>
+          </p:nvPr>
+        </p:nvSpPr>
+        <p:spPr/>
+        <p:txBody>
+          <a:bodyPr/>
+          <a:p>
+            <a:r>
+              <a:rPr lang="en-US"/>
+              <a:t>Realization: Hotel view</a:t>
+            </a:r>
+            <a:endParaRPr lang="en-US"/>
+          </a:p>
+        </p:txBody>
+      </p:sp>
+      <p:pic>
+        <p:nvPicPr>
+          <p:cNvPr id="4" name="Content Placeholder 3"/>
+          <p:cNvPicPr>
+            <a:picLocks noChangeAspect="1"/>
+          </p:cNvPicPr>
+          <p:nvPr>
+            <p:ph sz="half" idx="1"/>
+          </p:nvPr>
+        </p:nvPicPr>
+        <p:blipFill>
+          <a:blip r:embed="rId1"/>
+          <a:stretch>
+            <a:fillRect/>
+          </a:stretch>
+        </p:blipFill>
+        <p:spPr>
+          <a:xfrm>
+            <a:off x="378460" y="2426970"/>
+            <a:ext cx="7007860" cy="2999105"/>
+          </a:xfrm>
+          <a:prstGeom prst="rect">
+            <a:avLst/>
+          </a:prstGeom>
+        </p:spPr>
+      </p:pic>
+      <p:pic>
+        <p:nvPicPr>
+          <p:cNvPr id="6" name="Content Placeholder 5"/>
+          <p:cNvPicPr>
+            <a:picLocks noChangeAspect="1"/>
+          </p:cNvPicPr>
+          <p:nvPr>
+            <p:ph sz="half" idx="2"/>
+          </p:nvPr>
+        </p:nvPicPr>
+        <p:blipFill>
+          <a:blip r:embed="rId2"/>
+          <a:stretch>
+            <a:fillRect/>
+          </a:stretch>
+        </p:blipFill>
+        <p:spPr>
+          <a:xfrm>
+            <a:off x="7308850" y="2718435"/>
+            <a:ext cx="4140835" cy="2707640"/>
+          </a:xfrm>
+          <a:prstGeom prst="rect">
+            <a:avLst/>
+          </a:prstGeom>
+        </p:spPr>
+      </p:pic>
+    </p:spTree>
+  </p:cSld>
+  <p:clrMapOvr>
+    <a:masterClrMapping/>
+  </p:clrMapOvr>
+</p:sld>
+</file>
+
+<file path=ppt/slides/slide7.xml><?xml version="1.0" encoding="utf-8"?>
 <p:sld xmlns:a="http://schemas.openxmlformats.org/drawingml/2006/main" xmlns:r="http://schemas.openxmlformats.org/officeDocument/2006/relationships" xmlns:p="http://schemas.openxmlformats.org/presentationml/2006/main">
   <p:cSld>
     <p:spTree>
@@ -3288,22 +3452,122 @@
           </a:prstGeom>
         </p:spPr>
       </p:pic>
-      <p:sp>
-        <p:nvSpPr>
+    </p:spTree>
+  </p:cSld>
+  <p:clrMapOvr>
+    <a:masterClrMapping/>
+  </p:clrMapOvr>
+</p:sld>
+</file>
+
+<file path=ppt/slides/slide8.xml><?xml version="1.0" encoding="utf-8"?>
+<p:sld xmlns:a="http://schemas.openxmlformats.org/drawingml/2006/main" xmlns:r="http://schemas.openxmlformats.org/officeDocument/2006/relationships" xmlns:p="http://schemas.openxmlformats.org/presentationml/2006/main">
+  <p:cSld>
+    <p:spTree>
+      <p:nvGrpSpPr>
+        <p:cNvPr id="1" name=""/>
+        <p:cNvGrpSpPr/>
+        <p:nvPr/>
+      </p:nvGrpSpPr>
+      <p:grpSpPr/>
+      <p:sp>
+        <p:nvSpPr>
+          <p:cNvPr id="2" name="Title 1"/>
+          <p:cNvSpPr>
+            <a:spLocks noGrp="1"/>
+          </p:cNvSpPr>
+          <p:nvPr>
+            <p:ph type="title"/>
+          </p:nvPr>
+        </p:nvSpPr>
+        <p:spPr/>
+        <p:txBody>
+          <a:bodyPr/>
+          <a:p>
+            <a:r>
+              <a:rPr lang="en-US"/>
+              <a:t>Realization: Fuzzy search Input fields</a:t>
+            </a:r>
+            <a:endParaRPr lang="en-US"/>
+          </a:p>
+        </p:txBody>
+      </p:sp>
+      <p:pic>
+        <p:nvPicPr>
+          <p:cNvPr id="5" name="Content Placeholder 4"/>
+          <p:cNvPicPr>
+            <a:picLocks noChangeAspect="1"/>
+          </p:cNvPicPr>
+          <p:nvPr>
+            <p:ph sz="half" idx="1"/>
+          </p:nvPr>
+        </p:nvPicPr>
+        <p:blipFill>
+          <a:blip r:embed="rId1"/>
+          <a:stretch>
+            <a:fillRect/>
+          </a:stretch>
+        </p:blipFill>
+        <p:spPr>
+          <a:xfrm>
+            <a:off x="182880" y="2419350"/>
+            <a:ext cx="4191000" cy="2352675"/>
+          </a:xfrm>
+          <a:prstGeom prst="rect">
+            <a:avLst/>
+          </a:prstGeom>
+        </p:spPr>
+      </p:pic>
+      <p:pic>
+        <p:nvPicPr>
           <p:cNvPr id="9" name="Content Placeholder 8"/>
-          <p:cNvSpPr/>
+          <p:cNvPicPr>
+            <a:picLocks noChangeAspect="1"/>
+          </p:cNvPicPr>
           <p:nvPr>
             <p:ph sz="half" idx="2"/>
           </p:nvPr>
-        </p:nvSpPr>
-        <p:spPr/>
-        <p:txBody>
-          <a:bodyPr/>
-          <a:p>
-            <a:endParaRPr lang="en-US"/>
-          </a:p>
-        </p:txBody>
-      </p:sp>
+        </p:nvPicPr>
+        <p:blipFill>
+          <a:blip r:embed="rId2"/>
+          <a:stretch>
+            <a:fillRect/>
+          </a:stretch>
+        </p:blipFill>
+        <p:spPr>
+          <a:xfrm>
+            <a:off x="4577080" y="1956435"/>
+            <a:ext cx="3399155" cy="3138805"/>
+          </a:xfrm>
+          <a:prstGeom prst="rect">
+            <a:avLst/>
+          </a:prstGeom>
+        </p:spPr>
+      </p:pic>
+      <p:pic>
+        <p:nvPicPr>
+          <p:cNvPr id="10" name="Picture 9"/>
+          <p:cNvPicPr>
+            <a:picLocks noChangeAspect="1"/>
+          </p:cNvPicPr>
+          <p:nvPr/>
+        </p:nvPicPr>
+        <p:blipFill>
+          <a:blip r:embed="rId3"/>
+          <a:stretch>
+            <a:fillRect/>
+          </a:stretch>
+        </p:blipFill>
+        <p:spPr>
+          <a:xfrm>
+            <a:off x="8047355" y="1956435"/>
+            <a:ext cx="3590290" cy="2520950"/>
+          </a:xfrm>
+          <a:prstGeom prst="rect">
+            <a:avLst/>
+          </a:prstGeom>
+        </p:spPr>
+      </p:pic>
     </p:spTree>
   </p:cSld>
   <p:clrMapOvr>

--- a/docs/Travel Agency Fusion.pptx
+++ b/docs/Travel Agency Fusion.pptx
@@ -122,12 +122,12 @@
         <p14:section name="Untitled Section" id="{9d3764e0-355b-4d43-bcef-f7130c2af656}">
           <p14:sldIdLst>
             <p14:sldId id="257"/>
+            <p14:sldId id="262"/>
+            <p14:sldId id="258"/>
             <p14:sldId id="259"/>
             <p14:sldId id="263"/>
             <p14:sldId id="260"/>
             <p14:sldId id="261"/>
-            <p14:sldId id="262"/>
-            <p14:sldId id="258"/>
           </p14:sldIdLst>
         </p14:section>
       </p14:sectionLst>
@@ -3177,7 +3177,7 @@
       </p:sp>
       <p:pic>
         <p:nvPicPr>
-          <p:cNvPr id="5" name="Content Placeholder 4" descr="api-screenshot"/>
+          <p:cNvPr id="4" name="Content Placeholder 3" descr="Opera Snapshot_2023-07-04_100205_localhost"/>
           <p:cNvPicPr>
             <a:picLocks noChangeAspect="1"/>
           </p:cNvPicPr>
@@ -3193,8 +3193,8 @@
         </p:blipFill>
         <p:spPr>
           <a:xfrm>
-            <a:off x="4207510" y="380365"/>
-            <a:ext cx="7762240" cy="6282055"/>
+            <a:off x="4299585" y="0"/>
+            <a:ext cx="7892415" cy="6858000"/>
           </a:xfrm>
           <a:prstGeom prst="rect">
             <a:avLst/>
